--- a/HTML/03_CSS_Selectors.pptx
+++ b/HTML/03_CSS_Selectors.pptx
@@ -5,7 +5,7 @@
     <p:sldMasterId id="2147483660" r:id="rId1"/>
   </p:sldMasterIdLst>
   <p:notesMasterIdLst>
-    <p:notesMasterId r:id="rId21"/>
+    <p:notesMasterId r:id="rId29"/>
   </p:notesMasterIdLst>
   <p:sldIdLst>
     <p:sldId id="256" r:id="rId2"/>
@@ -27,6 +27,14 @@
     <p:sldId id="272" r:id="rId18"/>
     <p:sldId id="273" r:id="rId19"/>
     <p:sldId id="274" r:id="rId20"/>
+    <p:sldId id="275" r:id="rId21"/>
+    <p:sldId id="276" r:id="rId22"/>
+    <p:sldId id="277" r:id="rId23"/>
+    <p:sldId id="278" r:id="rId24"/>
+    <p:sldId id="279" r:id="rId25"/>
+    <p:sldId id="280" r:id="rId26"/>
+    <p:sldId id="281" r:id="rId27"/>
+    <p:sldId id="282" r:id="rId28"/>
   </p:sldIdLst>
   <p:sldSz cx="9144000" cy="6858000" type="screen4x3"/>
   <p:notesSz cx="6858000" cy="9144000"/>
@@ -226,7 +234,7 @@
           <a:p>
             <a:fld id="{DB802E9D-A405-48B8-959A-58A9444A0FB9}" type="datetimeFigureOut">
               <a:rPr lang="en-US" smtClean="0"/>
-              <a:t>10/17/2022</a:t>
+              <a:t>11/29/2021</a:t>
             </a:fld>
             <a:endParaRPr lang="en-US"/>
           </a:p>
@@ -648,7 +656,7 @@
           <a:p>
             <a:fld id="{C2ADBBCA-1591-4D30-A50F-AFBA971D2686}" type="datetime1">
               <a:rPr lang="en-US" smtClean="0"/>
-              <a:t>10/17/2022</a:t>
+              <a:t>11/29/2021</a:t>
             </a:fld>
             <a:endParaRPr lang="en-US"/>
           </a:p>
@@ -4226,7 +4234,7 @@
           <a:p>
             <a:fld id="{D0BB3352-5E2A-4640-9ED7-8CA6853BD038}" type="datetime1">
               <a:rPr lang="en-US" smtClean="0"/>
-              <a:t>10/17/2022</a:t>
+              <a:t>11/29/2021</a:t>
             </a:fld>
             <a:endParaRPr lang="en-US"/>
           </a:p>
@@ -4448,7 +4456,7 @@
           <a:p>
             <a:fld id="{710738CF-CD17-4C67-883B-D0C736D9E088}" type="datetime1">
               <a:rPr lang="en-US" smtClean="0"/>
-              <a:t>10/17/2022</a:t>
+              <a:t>11/29/2021</a:t>
             </a:fld>
             <a:endParaRPr lang="en-US"/>
           </a:p>
@@ -4732,7 +4740,7 @@
           <a:p>
             <a:fld id="{94948A97-F0D4-4856-A32A-C9995D19FE0B}" type="datetime1">
               <a:rPr lang="en-US" smtClean="0"/>
-              <a:t>10/17/2022</a:t>
+              <a:t>11/29/2021</a:t>
             </a:fld>
             <a:endParaRPr lang="en-US"/>
           </a:p>
@@ -4954,7 +4962,7 @@
           <a:p>
             <a:fld id="{E87A685F-2BFA-4D9B-B008-FC28D4FC88EB}" type="datetime1">
               <a:rPr lang="en-US" smtClean="0"/>
-              <a:t>10/17/2022</a:t>
+              <a:t>11/29/2021</a:t>
             </a:fld>
             <a:endParaRPr lang="en-US"/>
           </a:p>
@@ -5188,7 +5196,7 @@
           <a:p>
             <a:fld id="{E5B93CA6-C915-42ED-9A2B-36CBBA65B4E2}" type="datetime1">
               <a:rPr lang="en-US" smtClean="0"/>
-              <a:t>10/17/2022</a:t>
+              <a:t>11/29/2021</a:t>
             </a:fld>
             <a:endParaRPr lang="en-US"/>
           </a:p>
@@ -5462,7 +5470,7 @@
           <a:p>
             <a:fld id="{68E4E5F5-8058-40A5-AD1E-E066407F3929}" type="datetime1">
               <a:rPr lang="en-US" smtClean="0"/>
-              <a:t>10/17/2022</a:t>
+              <a:t>11/29/2021</a:t>
             </a:fld>
             <a:endParaRPr lang="en-US"/>
           </a:p>
@@ -5871,7 +5879,7 @@
           <a:p>
             <a:fld id="{C33184E3-A20E-4D90-8B78-81B6DC90C324}" type="datetime1">
               <a:rPr lang="en-US" smtClean="0"/>
-              <a:t>10/17/2022</a:t>
+              <a:t>11/29/2021</a:t>
             </a:fld>
             <a:endParaRPr lang="en-US"/>
           </a:p>
@@ -6031,7 +6039,7 @@
           <a:p>
             <a:fld id="{DA334732-8E46-4E16-8646-1E7999583606}" type="datetime1">
               <a:rPr lang="en-US" smtClean="0"/>
-              <a:t>10/17/2022</a:t>
+              <a:t>11/29/2021</a:t>
             </a:fld>
             <a:endParaRPr lang="en-US"/>
           </a:p>
@@ -6168,7 +6176,7 @@
           <a:p>
             <a:fld id="{306498D6-FA6D-40B8-9755-8F7D0BA7BFC7}" type="datetime1">
               <a:rPr lang="en-US" smtClean="0"/>
-              <a:t>10/17/2022</a:t>
+              <a:t>11/29/2021</a:t>
             </a:fld>
             <a:endParaRPr lang="en-US"/>
           </a:p>
@@ -6487,7 +6495,7 @@
           <a:p>
             <a:fld id="{41947E5B-0A29-4FF6-A67C-1F590C46EF20}" type="datetime1">
               <a:rPr lang="en-US" smtClean="0"/>
-              <a:t>10/17/2022</a:t>
+              <a:t>11/29/2021</a:t>
             </a:fld>
             <a:endParaRPr lang="en-US"/>
           </a:p>
@@ -6786,7 +6794,7 @@
           <a:p>
             <a:fld id="{FA30D2CA-D6E9-40F9-B88B-C155DE78C08A}" type="datetime1">
               <a:rPr lang="en-US" smtClean="0"/>
-              <a:t>10/17/2022</a:t>
+              <a:t>11/29/2021</a:t>
             </a:fld>
             <a:endParaRPr lang="en-US"/>
           </a:p>
@@ -7188,7 +7196,7 @@
           <a:p>
             <a:fld id="{D1571B24-4C42-4FD6-AAEB-2B6AE29F33CD}" type="datetime1">
               <a:rPr lang="en-US" smtClean="0"/>
-              <a:t>10/17/2022</a:t>
+              <a:t>11/29/2021</a:t>
             </a:fld>
             <a:endParaRPr lang="en-US"/>
           </a:p>
@@ -11417,6 +11425,1248 @@
 </p:sld>
 </file>
 
+<file path=ppt/slides/slide20.xml><?xml version="1.0" encoding="utf-8"?>
+<p:sld xmlns:a="http://schemas.openxmlformats.org/drawingml/2006/main" xmlns:r="http://schemas.openxmlformats.org/officeDocument/2006/relationships" xmlns:p="http://schemas.openxmlformats.org/presentationml/2006/main">
+  <p:cSld>
+    <p:spTree>
+      <p:nvGrpSpPr>
+        <p:cNvPr id="1" name=""/>
+        <p:cNvGrpSpPr/>
+        <p:nvPr/>
+      </p:nvGrpSpPr>
+      <p:grpSpPr>
+        <a:xfrm>
+          <a:off x="0" y="0"/>
+          <a:ext cx="0" cy="0"/>
+          <a:chOff x="0" y="0"/>
+          <a:chExt cx="0" cy="0"/>
+        </a:xfrm>
+      </p:grpSpPr>
+      <p:sp>
+        <p:nvSpPr>
+          <p:cNvPr id="2" name="Title 1"/>
+          <p:cNvSpPr>
+            <a:spLocks noGrp="1"/>
+          </p:cNvSpPr>
+          <p:nvPr>
+            <p:ph type="title"/>
+          </p:nvPr>
+        </p:nvSpPr>
+        <p:spPr/>
+        <p:txBody>
+          <a:bodyPr/>
+          <a:lstStyle/>
+          <a:p>
+            <a:r>
+              <a:rPr lang="en-US" dirty="0"/>
+              <a:t>Pseudo Class Selector</a:t>
+            </a:r>
+          </a:p>
+        </p:txBody>
+      </p:sp>
+      <p:sp>
+        <p:nvSpPr>
+          <p:cNvPr id="3" name="Content Placeholder 2"/>
+          <p:cNvSpPr>
+            <a:spLocks noGrp="1"/>
+          </p:cNvSpPr>
+          <p:nvPr>
+            <p:ph idx="1"/>
+          </p:nvPr>
+        </p:nvSpPr>
+        <p:spPr/>
+        <p:txBody>
+          <a:bodyPr/>
+          <a:lstStyle/>
+          <a:p>
+            <a:r>
+              <a:rPr lang="en-US" sz="2300" dirty="0"/>
+              <a:t>Pseudo Class Selector is used to specify the state of an element. </a:t>
+            </a:r>
+          </a:p>
+          <a:p>
+            <a:r>
+              <a:rPr lang="en-US" sz="2300" dirty="0"/>
+              <a:t>It let us to apply a style to an element which are related with external factors like the history of the navigator </a:t>
+            </a:r>
+            <a:br>
+              <a:rPr lang="en-US" sz="2300" dirty="0"/>
+            </a:br>
+            <a:r>
+              <a:rPr lang="en-US" sz="2300" dirty="0"/>
+              <a:t>( like :visited), the status of its content (like :checked on certain form elements), or the position of the mouse </a:t>
+            </a:r>
+            <a:br>
+              <a:rPr lang="en-US" sz="2300" dirty="0"/>
+            </a:br>
+            <a:r>
+              <a:rPr lang="en-US" sz="2300" dirty="0"/>
+              <a:t>(like :hover, which lets you know if the mouse is over an element or not).</a:t>
+            </a:r>
+          </a:p>
+          <a:p>
+            <a:r>
+              <a:rPr lang="en-US" sz="2300" dirty="0"/>
+              <a:t>The syntax for Pseudo Class Selector is </a:t>
+            </a:r>
+            <a:br>
+              <a:rPr lang="en-US" sz="2300" dirty="0"/>
+            </a:br>
+            <a:r>
+              <a:rPr lang="en-US" sz="2300" dirty="0" err="1"/>
+              <a:t>selector:pseudo-class</a:t>
+            </a:r>
+            <a:r>
+              <a:rPr lang="en-US" sz="2300" dirty="0"/>
+              <a:t> { property: value; } . </a:t>
+            </a:r>
+          </a:p>
+          <a:p>
+            <a:r>
+              <a:rPr lang="en-US" sz="2300" dirty="0"/>
+              <a:t>These pseudo- classes are used with the selector to style the element on a specific state.</a:t>
+            </a:r>
+          </a:p>
+          <a:p>
+            <a:endParaRPr lang="en-US" sz="2300" dirty="0"/>
+          </a:p>
+        </p:txBody>
+      </p:sp>
+      <p:sp>
+        <p:nvSpPr>
+          <p:cNvPr id="4" name="Slide Number Placeholder 3"/>
+          <p:cNvSpPr>
+            <a:spLocks noGrp="1"/>
+          </p:cNvSpPr>
+          <p:nvPr>
+            <p:ph type="sldNum" sz="quarter" idx="12"/>
+          </p:nvPr>
+        </p:nvSpPr>
+        <p:spPr/>
+        <p:txBody>
+          <a:bodyPr/>
+          <a:lstStyle/>
+          <a:p>
+            <a:fld id="{9BD555C0-86BF-4C84-AA21-7A3F0168108C}" type="slidenum">
+              <a:rPr lang="en-US" smtClean="0"/>
+              <a:t>20</a:t>
+            </a:fld>
+            <a:endParaRPr lang="en-US"/>
+          </a:p>
+        </p:txBody>
+      </p:sp>
+    </p:spTree>
+    <p:extLst>
+      <p:ext uri="{BB962C8B-B14F-4D97-AF65-F5344CB8AC3E}">
+        <p14:creationId xmlns:p14="http://schemas.microsoft.com/office/powerpoint/2010/main" val="1587477343"/>
+      </p:ext>
+    </p:extLst>
+  </p:cSld>
+  <p:clrMapOvr>
+    <a:masterClrMapping/>
+  </p:clrMapOvr>
+</p:sld>
+</file>
+
+<file path=ppt/slides/slide21.xml><?xml version="1.0" encoding="utf-8"?>
+<p:sld xmlns:a="http://schemas.openxmlformats.org/drawingml/2006/main" xmlns:r="http://schemas.openxmlformats.org/officeDocument/2006/relationships" xmlns:p="http://schemas.openxmlformats.org/presentationml/2006/main">
+  <p:cSld>
+    <p:spTree>
+      <p:nvGrpSpPr>
+        <p:cNvPr id="1" name=""/>
+        <p:cNvGrpSpPr/>
+        <p:nvPr/>
+      </p:nvGrpSpPr>
+      <p:grpSpPr>
+        <a:xfrm>
+          <a:off x="0" y="0"/>
+          <a:ext cx="0" cy="0"/>
+          <a:chOff x="0" y="0"/>
+          <a:chExt cx="0" cy="0"/>
+        </a:xfrm>
+      </p:grpSpPr>
+      <p:sp>
+        <p:nvSpPr>
+          <p:cNvPr id="2" name="Title 1"/>
+          <p:cNvSpPr>
+            <a:spLocks noGrp="1"/>
+          </p:cNvSpPr>
+          <p:nvPr>
+            <p:ph type="title"/>
+          </p:nvPr>
+        </p:nvSpPr>
+        <p:spPr/>
+        <p:txBody>
+          <a:bodyPr/>
+          <a:lstStyle/>
+          <a:p>
+            <a:r>
+              <a:rPr lang="en-US" dirty="0"/>
+              <a:t>Pseudo Class Selector</a:t>
+            </a:r>
+          </a:p>
+        </p:txBody>
+      </p:sp>
+      <p:sp>
+        <p:nvSpPr>
+          <p:cNvPr id="3" name="Content Placeholder 2"/>
+          <p:cNvSpPr>
+            <a:spLocks noGrp="1"/>
+          </p:cNvSpPr>
+          <p:nvPr>
+            <p:ph idx="1"/>
+          </p:nvPr>
+        </p:nvSpPr>
+        <p:spPr/>
+        <p:txBody>
+          <a:bodyPr/>
+          <a:lstStyle/>
+          <a:p>
+            <a:r>
+              <a:rPr lang="en-US" sz="2200" b="1" dirty="0">
+                <a:solidFill>
+                  <a:srgbClr val="FF0000"/>
+                </a:solidFill>
+              </a:rPr>
+              <a:t>:link </a:t>
+            </a:r>
+            <a:r>
+              <a:rPr lang="en-US" sz="2200" dirty="0"/>
+              <a:t>- Used to select only &lt;a&gt; element with </a:t>
+            </a:r>
+            <a:r>
+              <a:rPr lang="en-US" sz="2200" dirty="0" err="1"/>
+              <a:t>href</a:t>
+            </a:r>
+            <a:r>
+              <a:rPr lang="en-US" sz="2200" dirty="0"/>
+              <a:t> attributes and applies the style for </a:t>
+            </a:r>
+            <a:r>
+              <a:rPr lang="en-US" sz="2200" dirty="0" err="1"/>
+              <a:t>unvisted</a:t>
+            </a:r>
+            <a:r>
+              <a:rPr lang="en-US" sz="2200" dirty="0"/>
+              <a:t> link. </a:t>
+            </a:r>
+          </a:p>
+          <a:p>
+            <a:r>
+              <a:rPr lang="en-US" sz="2200" b="1" dirty="0">
+                <a:solidFill>
+                  <a:srgbClr val="FF0000"/>
+                </a:solidFill>
+              </a:rPr>
+              <a:t>:visited </a:t>
+            </a:r>
+            <a:r>
+              <a:rPr lang="en-US" sz="2200" dirty="0"/>
+              <a:t>- Used to select only &lt;a&gt; element with </a:t>
+            </a:r>
+            <a:r>
+              <a:rPr lang="en-US" sz="2200" dirty="0" err="1"/>
+              <a:t>href</a:t>
+            </a:r>
+            <a:r>
+              <a:rPr lang="en-US" sz="2200" dirty="0"/>
+              <a:t> attributes and applies the style for visited link. </a:t>
+            </a:r>
+          </a:p>
+          <a:p>
+            <a:r>
+              <a:rPr lang="en-US" sz="2200" b="1" dirty="0">
+                <a:solidFill>
+                  <a:srgbClr val="FF0000"/>
+                </a:solidFill>
+              </a:rPr>
+              <a:t>:active </a:t>
+            </a:r>
+            <a:r>
+              <a:rPr lang="en-US" sz="2200" dirty="0"/>
+              <a:t>- selects an element which is activated by user clicks </a:t>
+            </a:r>
+          </a:p>
+          <a:p>
+            <a:r>
+              <a:rPr lang="en-US" sz="2200" b="1" dirty="0">
+                <a:solidFill>
+                  <a:srgbClr val="FF0000"/>
+                </a:solidFill>
+              </a:rPr>
+              <a:t>:hover </a:t>
+            </a:r>
+            <a:r>
+              <a:rPr lang="en-US" sz="2200" dirty="0"/>
+              <a:t>- selects the style when the element is in its hover state (mouse cursor rolls over the element). </a:t>
+            </a:r>
+          </a:p>
+          <a:p>
+            <a:r>
+              <a:rPr lang="en-US" sz="2200" b="1" dirty="0">
+                <a:solidFill>
+                  <a:srgbClr val="FF0000"/>
+                </a:solidFill>
+              </a:rPr>
+              <a:t>:focus </a:t>
+            </a:r>
+            <a:r>
+              <a:rPr lang="en-US" sz="2200" dirty="0"/>
+              <a:t>- selects the form input element that has received focus. It is generally triggered when the user clicks or taps on an element or selects it with the keyboard's "tab" key. </a:t>
+            </a:r>
+          </a:p>
+          <a:p>
+            <a:r>
+              <a:rPr lang="en-US" sz="2200" b="1" dirty="0">
+                <a:solidFill>
+                  <a:srgbClr val="FF0000"/>
+                </a:solidFill>
+              </a:rPr>
+              <a:t>:</a:t>
+            </a:r>
+            <a:r>
+              <a:rPr lang="en-US" sz="2200" b="1" dirty="0" err="1">
+                <a:solidFill>
+                  <a:srgbClr val="FF0000"/>
+                </a:solidFill>
+              </a:rPr>
+              <a:t>lang</a:t>
+            </a:r>
+            <a:r>
+              <a:rPr lang="en-US" sz="2200" b="1" dirty="0">
+                <a:solidFill>
+                  <a:srgbClr val="FF0000"/>
+                </a:solidFill>
+              </a:rPr>
+              <a:t> </a:t>
+            </a:r>
+            <a:r>
+              <a:rPr lang="en-US" sz="2200" dirty="0"/>
+              <a:t>- Used to specify a language to use in a element. </a:t>
+            </a:r>
+          </a:p>
+          <a:p>
+            <a:r>
+              <a:rPr lang="en-US" sz="2200" b="1" dirty="0">
+                <a:solidFill>
+                  <a:srgbClr val="FF0000"/>
+                </a:solidFill>
+              </a:rPr>
+              <a:t>:first-child </a:t>
+            </a:r>
+            <a:r>
+              <a:rPr lang="en-US" sz="2200" dirty="0"/>
+              <a:t>- selects the first element among a group of sibling elements.</a:t>
+            </a:r>
+          </a:p>
+        </p:txBody>
+      </p:sp>
+      <p:sp>
+        <p:nvSpPr>
+          <p:cNvPr id="4" name="Slide Number Placeholder 3"/>
+          <p:cNvSpPr>
+            <a:spLocks noGrp="1"/>
+          </p:cNvSpPr>
+          <p:nvPr>
+            <p:ph type="sldNum" sz="quarter" idx="12"/>
+          </p:nvPr>
+        </p:nvSpPr>
+        <p:spPr/>
+        <p:txBody>
+          <a:bodyPr/>
+          <a:lstStyle/>
+          <a:p>
+            <a:fld id="{9BD555C0-86BF-4C84-AA21-7A3F0168108C}" type="slidenum">
+              <a:rPr lang="en-US" smtClean="0"/>
+              <a:t>21</a:t>
+            </a:fld>
+            <a:endParaRPr lang="en-US"/>
+          </a:p>
+        </p:txBody>
+      </p:sp>
+    </p:spTree>
+    <p:extLst>
+      <p:ext uri="{BB962C8B-B14F-4D97-AF65-F5344CB8AC3E}">
+        <p14:creationId xmlns:p14="http://schemas.microsoft.com/office/powerpoint/2010/main" val="3376696270"/>
+      </p:ext>
+    </p:extLst>
+  </p:cSld>
+  <p:clrMapOvr>
+    <a:masterClrMapping/>
+  </p:clrMapOvr>
+</p:sld>
+</file>
+
+<file path=ppt/slides/slide22.xml><?xml version="1.0" encoding="utf-8"?>
+<p:sld xmlns:a="http://schemas.openxmlformats.org/drawingml/2006/main" xmlns:r="http://schemas.openxmlformats.org/officeDocument/2006/relationships" xmlns:p="http://schemas.openxmlformats.org/presentationml/2006/main">
+  <p:cSld>
+    <p:spTree>
+      <p:nvGrpSpPr>
+        <p:cNvPr id="1" name=""/>
+        <p:cNvGrpSpPr/>
+        <p:nvPr/>
+      </p:nvGrpSpPr>
+      <p:grpSpPr>
+        <a:xfrm>
+          <a:off x="0" y="0"/>
+          <a:ext cx="0" cy="0"/>
+          <a:chOff x="0" y="0"/>
+          <a:chExt cx="0" cy="0"/>
+        </a:xfrm>
+      </p:grpSpPr>
+      <p:sp>
+        <p:nvSpPr>
+          <p:cNvPr id="2" name="Title 1"/>
+          <p:cNvSpPr>
+            <a:spLocks noGrp="1"/>
+          </p:cNvSpPr>
+          <p:nvPr>
+            <p:ph type="title"/>
+          </p:nvPr>
+        </p:nvSpPr>
+        <p:spPr/>
+        <p:txBody>
+          <a:bodyPr/>
+          <a:lstStyle/>
+          <a:p>
+            <a:r>
+              <a:rPr lang="en-US" dirty="0"/>
+              <a:t>Pseudo Class Selector</a:t>
+            </a:r>
+          </a:p>
+        </p:txBody>
+      </p:sp>
+      <p:sp>
+        <p:nvSpPr>
+          <p:cNvPr id="4" name="Slide Number Placeholder 3"/>
+          <p:cNvSpPr>
+            <a:spLocks noGrp="1"/>
+          </p:cNvSpPr>
+          <p:nvPr>
+            <p:ph type="sldNum" sz="quarter" idx="12"/>
+          </p:nvPr>
+        </p:nvSpPr>
+        <p:spPr/>
+        <p:txBody>
+          <a:bodyPr/>
+          <a:lstStyle/>
+          <a:p>
+            <a:fld id="{9BD555C0-86BF-4C84-AA21-7A3F0168108C}" type="slidenum">
+              <a:rPr lang="en-US" smtClean="0"/>
+              <a:t>22</a:t>
+            </a:fld>
+            <a:endParaRPr lang="en-US"/>
+          </a:p>
+        </p:txBody>
+      </p:sp>
+      <p:pic>
+        <p:nvPicPr>
+          <p:cNvPr id="13314" name="Picture 2"/>
+          <p:cNvPicPr>
+            <a:picLocks noGrp="1" noChangeAspect="1" noChangeArrowheads="1"/>
+          </p:cNvPicPr>
+          <p:nvPr>
+            <p:ph idx="1"/>
+          </p:nvPr>
+        </p:nvPicPr>
+        <p:blipFill>
+          <a:blip r:embed="rId2">
+            <a:extLst>
+              <a:ext uri="{28A0092B-C50C-407E-A947-70E740481C1C}">
+                <a14:useLocalDpi xmlns:a14="http://schemas.microsoft.com/office/drawing/2010/main" val="0"/>
+              </a:ext>
+            </a:extLst>
+          </a:blip>
+          <a:srcRect/>
+          <a:stretch>
+            <a:fillRect/>
+          </a:stretch>
+        </p:blipFill>
+        <p:spPr bwMode="auto">
+          <a:xfrm>
+            <a:off x="762000" y="1676399"/>
+            <a:ext cx="4419600" cy="3747495"/>
+          </a:xfrm>
+          <a:prstGeom prst="rect">
+            <a:avLst/>
+          </a:prstGeom>
+          <a:noFill/>
+          <a:ln>
+            <a:noFill/>
+          </a:ln>
+          <a:effectLst/>
+          <a:extLst>
+            <a:ext uri="{909E8E84-426E-40DD-AFC4-6F175D3DCCD1}">
+              <a14:hiddenFill xmlns:a14="http://schemas.microsoft.com/office/drawing/2010/main">
+                <a:solidFill>
+                  <a:schemeClr val="accent1"/>
+                </a:solidFill>
+              </a14:hiddenFill>
+            </a:ext>
+            <a:ext uri="{91240B29-F687-4F45-9708-019B960494DF}">
+              <a14:hiddenLine xmlns:a14="http://schemas.microsoft.com/office/drawing/2010/main" w="9525">
+                <a:solidFill>
+                  <a:schemeClr val="tx1"/>
+                </a:solidFill>
+                <a:miter lim="800000"/>
+                <a:headEnd/>
+                <a:tailEnd/>
+              </a14:hiddenLine>
+            </a:ext>
+            <a:ext uri="{AF507438-7753-43E0-B8FC-AC1667EBCBE1}">
+              <a14:hiddenEffects xmlns:a14="http://schemas.microsoft.com/office/drawing/2010/main">
+                <a:effectLst>
+                  <a:outerShdw dist="35921" dir="2700000" algn="ctr" rotWithShape="0">
+                    <a:schemeClr val="bg2"/>
+                  </a:outerShdw>
+                </a:effectLst>
+              </a14:hiddenEffects>
+            </a:ext>
+          </a:extLst>
+        </p:spPr>
+      </p:pic>
+    </p:spTree>
+    <p:extLst>
+      <p:ext uri="{BB962C8B-B14F-4D97-AF65-F5344CB8AC3E}">
+        <p14:creationId xmlns:p14="http://schemas.microsoft.com/office/powerpoint/2010/main" val="897814415"/>
+      </p:ext>
+    </p:extLst>
+  </p:cSld>
+  <p:clrMapOvr>
+    <a:masterClrMapping/>
+  </p:clrMapOvr>
+</p:sld>
+</file>
+
+<file path=ppt/slides/slide23.xml><?xml version="1.0" encoding="utf-8"?>
+<p:sld xmlns:a="http://schemas.openxmlformats.org/drawingml/2006/main" xmlns:r="http://schemas.openxmlformats.org/officeDocument/2006/relationships" xmlns:p="http://schemas.openxmlformats.org/presentationml/2006/main">
+  <p:cSld>
+    <p:spTree>
+      <p:nvGrpSpPr>
+        <p:cNvPr id="1" name=""/>
+        <p:cNvGrpSpPr/>
+        <p:nvPr/>
+      </p:nvGrpSpPr>
+      <p:grpSpPr>
+        <a:xfrm>
+          <a:off x="0" y="0"/>
+          <a:ext cx="0" cy="0"/>
+          <a:chOff x="0" y="0"/>
+          <a:chExt cx="0" cy="0"/>
+        </a:xfrm>
+      </p:grpSpPr>
+      <p:sp>
+        <p:nvSpPr>
+          <p:cNvPr id="2" name="Title 1"/>
+          <p:cNvSpPr>
+            <a:spLocks noGrp="1"/>
+          </p:cNvSpPr>
+          <p:nvPr>
+            <p:ph type="title"/>
+          </p:nvPr>
+        </p:nvSpPr>
+        <p:spPr/>
+        <p:txBody>
+          <a:bodyPr/>
+          <a:lstStyle/>
+          <a:p>
+            <a:r>
+              <a:rPr lang="en-US" dirty="0"/>
+              <a:t>Pseudo Element Selector</a:t>
+            </a:r>
+          </a:p>
+        </p:txBody>
+      </p:sp>
+      <p:sp>
+        <p:nvSpPr>
+          <p:cNvPr id="3" name="Content Placeholder 2"/>
+          <p:cNvSpPr>
+            <a:spLocks noGrp="1"/>
+          </p:cNvSpPr>
+          <p:nvPr>
+            <p:ph idx="1"/>
+          </p:nvPr>
+        </p:nvSpPr>
+        <p:spPr/>
+        <p:txBody>
+          <a:bodyPr/>
+          <a:lstStyle/>
+          <a:p>
+            <a:r>
+              <a:rPr lang="en-US" sz="2400" dirty="0"/>
+              <a:t>Pseudo-elements allows to style the specified parts of an element that is not available under DOM tree. </a:t>
+            </a:r>
+          </a:p>
+          <a:p>
+            <a:r>
+              <a:rPr lang="en-US" sz="2400" dirty="0"/>
+              <a:t>It let us to apply to style the first letter or first line of an element's content, change the font of the first line of a paragraph, etc.</a:t>
+            </a:r>
+          </a:p>
+          <a:p>
+            <a:r>
+              <a:rPr lang="en-US" sz="2400" dirty="0"/>
+              <a:t>The syntax for Pseudo Element Selector is selector::pseudo-element { </a:t>
+            </a:r>
+            <a:r>
+              <a:rPr lang="en-US" sz="2400" dirty="0" err="1"/>
+              <a:t>property:value</a:t>
+            </a:r>
+            <a:r>
+              <a:rPr lang="en-US" sz="2400" dirty="0"/>
+              <a:t>; }. </a:t>
+            </a:r>
+          </a:p>
+          <a:p>
+            <a:endParaRPr lang="en-US" sz="2400" dirty="0"/>
+          </a:p>
+        </p:txBody>
+      </p:sp>
+      <p:sp>
+        <p:nvSpPr>
+          <p:cNvPr id="4" name="Slide Number Placeholder 3"/>
+          <p:cNvSpPr>
+            <a:spLocks noGrp="1"/>
+          </p:cNvSpPr>
+          <p:nvPr>
+            <p:ph type="sldNum" sz="quarter" idx="12"/>
+          </p:nvPr>
+        </p:nvSpPr>
+        <p:spPr/>
+        <p:txBody>
+          <a:bodyPr/>
+          <a:lstStyle/>
+          <a:p>
+            <a:fld id="{9BD555C0-86BF-4C84-AA21-7A3F0168108C}" type="slidenum">
+              <a:rPr lang="en-US" smtClean="0"/>
+              <a:t>23</a:t>
+            </a:fld>
+            <a:endParaRPr lang="en-US"/>
+          </a:p>
+        </p:txBody>
+      </p:sp>
+    </p:spTree>
+    <p:extLst>
+      <p:ext uri="{BB962C8B-B14F-4D97-AF65-F5344CB8AC3E}">
+        <p14:creationId xmlns:p14="http://schemas.microsoft.com/office/powerpoint/2010/main" val="3665395594"/>
+      </p:ext>
+    </p:extLst>
+  </p:cSld>
+  <p:clrMapOvr>
+    <a:masterClrMapping/>
+  </p:clrMapOvr>
+</p:sld>
+</file>
+
+<file path=ppt/slides/slide24.xml><?xml version="1.0" encoding="utf-8"?>
+<p:sld xmlns:a="http://schemas.openxmlformats.org/drawingml/2006/main" xmlns:r="http://schemas.openxmlformats.org/officeDocument/2006/relationships" xmlns:p="http://schemas.openxmlformats.org/presentationml/2006/main">
+  <p:cSld>
+    <p:spTree>
+      <p:nvGrpSpPr>
+        <p:cNvPr id="1" name=""/>
+        <p:cNvGrpSpPr/>
+        <p:nvPr/>
+      </p:nvGrpSpPr>
+      <p:grpSpPr>
+        <a:xfrm>
+          <a:off x="0" y="0"/>
+          <a:ext cx="0" cy="0"/>
+          <a:chOff x="0" y="0"/>
+          <a:chExt cx="0" cy="0"/>
+        </a:xfrm>
+      </p:grpSpPr>
+      <p:sp>
+        <p:nvSpPr>
+          <p:cNvPr id="2" name="Title 1"/>
+          <p:cNvSpPr>
+            <a:spLocks noGrp="1"/>
+          </p:cNvSpPr>
+          <p:nvPr>
+            <p:ph type="title"/>
+          </p:nvPr>
+        </p:nvSpPr>
+        <p:spPr/>
+        <p:txBody>
+          <a:bodyPr/>
+          <a:lstStyle/>
+          <a:p>
+            <a:r>
+              <a:rPr lang="en-US" dirty="0"/>
+              <a:t>Pseudo Element Selector</a:t>
+            </a:r>
+          </a:p>
+        </p:txBody>
+      </p:sp>
+      <p:sp>
+        <p:nvSpPr>
+          <p:cNvPr id="3" name="Content Placeholder 2"/>
+          <p:cNvSpPr>
+            <a:spLocks noGrp="1"/>
+          </p:cNvSpPr>
+          <p:nvPr>
+            <p:ph idx="1"/>
+          </p:nvPr>
+        </p:nvSpPr>
+        <p:spPr/>
+        <p:txBody>
+          <a:bodyPr/>
+          <a:lstStyle/>
+          <a:p>
+            <a:r>
+              <a:rPr lang="en-US" sz="2400" b="1" dirty="0">
+                <a:solidFill>
+                  <a:srgbClr val="FF0000"/>
+                </a:solidFill>
+              </a:rPr>
+              <a:t>::first-letter </a:t>
+            </a:r>
+            <a:r>
+              <a:rPr lang="en-US" sz="2400" dirty="0"/>
+              <a:t>- Selects the first letter of the text contents inside an element. </a:t>
+            </a:r>
+          </a:p>
+          <a:p>
+            <a:r>
+              <a:rPr lang="en-US" sz="2400" b="1" dirty="0">
+                <a:solidFill>
+                  <a:srgbClr val="FF0000"/>
+                </a:solidFill>
+              </a:rPr>
+              <a:t>::first-line </a:t>
+            </a:r>
+            <a:r>
+              <a:rPr lang="en-US" sz="2400" dirty="0"/>
+              <a:t>- Selects the first line of the text contents inside an element. </a:t>
+            </a:r>
+          </a:p>
+          <a:p>
+            <a:r>
+              <a:rPr lang="en-US" sz="2400" b="1" dirty="0">
+                <a:solidFill>
+                  <a:srgbClr val="FF0000"/>
+                </a:solidFill>
+              </a:rPr>
+              <a:t>::before - </a:t>
+            </a:r>
+            <a:r>
+              <a:rPr lang="en-US" sz="2400" dirty="0"/>
+              <a:t>Used to insert generated content immediately before an element. </a:t>
+            </a:r>
+          </a:p>
+          <a:p>
+            <a:r>
+              <a:rPr lang="en-US" sz="2400" b="1" dirty="0">
+                <a:solidFill>
+                  <a:srgbClr val="FF0000"/>
+                </a:solidFill>
+              </a:rPr>
+              <a:t>::after </a:t>
+            </a:r>
+            <a:r>
+              <a:rPr lang="en-US" sz="2400" dirty="0"/>
+              <a:t>- Used to insert generated content either before or after an element on the page generate content immediately after an element.</a:t>
+            </a:r>
+          </a:p>
+        </p:txBody>
+      </p:sp>
+      <p:sp>
+        <p:nvSpPr>
+          <p:cNvPr id="4" name="Slide Number Placeholder 3"/>
+          <p:cNvSpPr>
+            <a:spLocks noGrp="1"/>
+          </p:cNvSpPr>
+          <p:nvPr>
+            <p:ph type="sldNum" sz="quarter" idx="12"/>
+          </p:nvPr>
+        </p:nvSpPr>
+        <p:spPr/>
+        <p:txBody>
+          <a:bodyPr/>
+          <a:lstStyle/>
+          <a:p>
+            <a:fld id="{9BD555C0-86BF-4C84-AA21-7A3F0168108C}" type="slidenum">
+              <a:rPr lang="en-US" smtClean="0"/>
+              <a:t>24</a:t>
+            </a:fld>
+            <a:endParaRPr lang="en-US"/>
+          </a:p>
+        </p:txBody>
+      </p:sp>
+    </p:spTree>
+    <p:extLst>
+      <p:ext uri="{BB962C8B-B14F-4D97-AF65-F5344CB8AC3E}">
+        <p14:creationId xmlns:p14="http://schemas.microsoft.com/office/powerpoint/2010/main" val="3784317244"/>
+      </p:ext>
+    </p:extLst>
+  </p:cSld>
+  <p:clrMapOvr>
+    <a:masterClrMapping/>
+  </p:clrMapOvr>
+</p:sld>
+</file>
+
+<file path=ppt/slides/slide25.xml><?xml version="1.0" encoding="utf-8"?>
+<p:sld xmlns:a="http://schemas.openxmlformats.org/drawingml/2006/main" xmlns:r="http://schemas.openxmlformats.org/officeDocument/2006/relationships" xmlns:p="http://schemas.openxmlformats.org/presentationml/2006/main">
+  <p:cSld>
+    <p:spTree>
+      <p:nvGrpSpPr>
+        <p:cNvPr id="1" name=""/>
+        <p:cNvGrpSpPr/>
+        <p:nvPr/>
+      </p:nvGrpSpPr>
+      <p:grpSpPr>
+        <a:xfrm>
+          <a:off x="0" y="0"/>
+          <a:ext cx="0" cy="0"/>
+          <a:chOff x="0" y="0"/>
+          <a:chExt cx="0" cy="0"/>
+        </a:xfrm>
+      </p:grpSpPr>
+      <p:sp>
+        <p:nvSpPr>
+          <p:cNvPr id="2" name="Title 1"/>
+          <p:cNvSpPr>
+            <a:spLocks noGrp="1"/>
+          </p:cNvSpPr>
+          <p:nvPr>
+            <p:ph type="title"/>
+          </p:nvPr>
+        </p:nvSpPr>
+        <p:spPr/>
+        <p:txBody>
+          <a:bodyPr/>
+          <a:lstStyle/>
+          <a:p>
+            <a:r>
+              <a:rPr lang="en-US" dirty="0"/>
+              <a:t>Pseudo Element Selector</a:t>
+            </a:r>
+          </a:p>
+        </p:txBody>
+      </p:sp>
+      <p:sp>
+        <p:nvSpPr>
+          <p:cNvPr id="4" name="Slide Number Placeholder 3"/>
+          <p:cNvSpPr>
+            <a:spLocks noGrp="1"/>
+          </p:cNvSpPr>
+          <p:nvPr>
+            <p:ph type="sldNum" sz="quarter" idx="12"/>
+          </p:nvPr>
+        </p:nvSpPr>
+        <p:spPr/>
+        <p:txBody>
+          <a:bodyPr/>
+          <a:lstStyle/>
+          <a:p>
+            <a:fld id="{9BD555C0-86BF-4C84-AA21-7A3F0168108C}" type="slidenum">
+              <a:rPr lang="en-US" smtClean="0"/>
+              <a:t>25</a:t>
+            </a:fld>
+            <a:endParaRPr lang="en-US"/>
+          </a:p>
+        </p:txBody>
+      </p:sp>
+      <p:pic>
+        <p:nvPicPr>
+          <p:cNvPr id="14338" name="Picture 2"/>
+          <p:cNvPicPr>
+            <a:picLocks noGrp="1" noChangeAspect="1" noChangeArrowheads="1"/>
+          </p:cNvPicPr>
+          <p:nvPr>
+            <p:ph idx="1"/>
+          </p:nvPr>
+        </p:nvPicPr>
+        <p:blipFill>
+          <a:blip r:embed="rId2">
+            <a:extLst>
+              <a:ext uri="{28A0092B-C50C-407E-A947-70E740481C1C}">
+                <a14:useLocalDpi xmlns:a14="http://schemas.microsoft.com/office/drawing/2010/main" val="0"/>
+              </a:ext>
+            </a:extLst>
+          </a:blip>
+          <a:srcRect/>
+          <a:stretch>
+            <a:fillRect/>
+          </a:stretch>
+        </p:blipFill>
+        <p:spPr bwMode="auto">
+          <a:xfrm>
+            <a:off x="609600" y="1752599"/>
+            <a:ext cx="5486400" cy="4824361"/>
+          </a:xfrm>
+          <a:prstGeom prst="rect">
+            <a:avLst/>
+          </a:prstGeom>
+          <a:noFill/>
+          <a:ln>
+            <a:noFill/>
+          </a:ln>
+          <a:effectLst/>
+          <a:extLst>
+            <a:ext uri="{909E8E84-426E-40DD-AFC4-6F175D3DCCD1}">
+              <a14:hiddenFill xmlns:a14="http://schemas.microsoft.com/office/drawing/2010/main">
+                <a:solidFill>
+                  <a:schemeClr val="accent1"/>
+                </a:solidFill>
+              </a14:hiddenFill>
+            </a:ext>
+            <a:ext uri="{91240B29-F687-4F45-9708-019B960494DF}">
+              <a14:hiddenLine xmlns:a14="http://schemas.microsoft.com/office/drawing/2010/main" w="9525">
+                <a:solidFill>
+                  <a:schemeClr val="tx1"/>
+                </a:solidFill>
+                <a:miter lim="800000"/>
+                <a:headEnd/>
+                <a:tailEnd/>
+              </a14:hiddenLine>
+            </a:ext>
+            <a:ext uri="{AF507438-7753-43E0-B8FC-AC1667EBCBE1}">
+              <a14:hiddenEffects xmlns:a14="http://schemas.microsoft.com/office/drawing/2010/main">
+                <a:effectLst>
+                  <a:outerShdw dist="35921" dir="2700000" algn="ctr" rotWithShape="0">
+                    <a:schemeClr val="bg2"/>
+                  </a:outerShdw>
+                </a:effectLst>
+              </a14:hiddenEffects>
+            </a:ext>
+          </a:extLst>
+        </p:spPr>
+      </p:pic>
+      <p:pic>
+        <p:nvPicPr>
+          <p:cNvPr id="14339" name="Picture 3"/>
+          <p:cNvPicPr>
+            <a:picLocks noChangeAspect="1" noChangeArrowheads="1"/>
+          </p:cNvPicPr>
+          <p:nvPr/>
+        </p:nvPicPr>
+        <p:blipFill>
+          <a:blip r:embed="rId3">
+            <a:extLst>
+              <a:ext uri="{28A0092B-C50C-407E-A947-70E740481C1C}">
+                <a14:useLocalDpi xmlns:a14="http://schemas.microsoft.com/office/drawing/2010/main" val="0"/>
+              </a:ext>
+            </a:extLst>
+          </a:blip>
+          <a:srcRect/>
+          <a:stretch>
+            <a:fillRect/>
+          </a:stretch>
+        </p:blipFill>
+        <p:spPr bwMode="auto">
+          <a:xfrm>
+            <a:off x="5943600" y="1893324"/>
+            <a:ext cx="2662664" cy="2221476"/>
+          </a:xfrm>
+          <a:prstGeom prst="rect">
+            <a:avLst/>
+          </a:prstGeom>
+          <a:noFill/>
+          <a:ln w="9525">
+            <a:solidFill>
+              <a:schemeClr val="tx1"/>
+            </a:solidFill>
+            <a:miter lim="800000"/>
+            <a:headEnd/>
+            <a:tailEnd/>
+          </a:ln>
+          <a:effectLst/>
+          <a:extLst>
+            <a:ext uri="{909E8E84-426E-40DD-AFC4-6F175D3DCCD1}">
+              <a14:hiddenFill xmlns:a14="http://schemas.microsoft.com/office/drawing/2010/main">
+                <a:solidFill>
+                  <a:schemeClr val="accent1"/>
+                </a:solidFill>
+              </a14:hiddenFill>
+            </a:ext>
+            <a:ext uri="{AF507438-7753-43E0-B8FC-AC1667EBCBE1}">
+              <a14:hiddenEffects xmlns:a14="http://schemas.microsoft.com/office/drawing/2010/main">
+                <a:effectLst>
+                  <a:outerShdw dist="35921" dir="2700000" algn="ctr" rotWithShape="0">
+                    <a:schemeClr val="bg2"/>
+                  </a:outerShdw>
+                </a:effectLst>
+              </a14:hiddenEffects>
+            </a:ext>
+          </a:extLst>
+        </p:spPr>
+      </p:pic>
+    </p:spTree>
+    <p:extLst>
+      <p:ext uri="{BB962C8B-B14F-4D97-AF65-F5344CB8AC3E}">
+        <p14:creationId xmlns:p14="http://schemas.microsoft.com/office/powerpoint/2010/main" val="3781557841"/>
+      </p:ext>
+    </p:extLst>
+  </p:cSld>
+  <p:clrMapOvr>
+    <a:masterClrMapping/>
+  </p:clrMapOvr>
+</p:sld>
+</file>
+
+<file path=ppt/slides/slide26.xml><?xml version="1.0" encoding="utf-8"?>
+<p:sld xmlns:a="http://schemas.openxmlformats.org/drawingml/2006/main" xmlns:r="http://schemas.openxmlformats.org/officeDocument/2006/relationships" xmlns:p="http://schemas.openxmlformats.org/presentationml/2006/main">
+  <p:cSld>
+    <p:spTree>
+      <p:nvGrpSpPr>
+        <p:cNvPr id="1" name=""/>
+        <p:cNvGrpSpPr/>
+        <p:nvPr/>
+      </p:nvGrpSpPr>
+      <p:grpSpPr>
+        <a:xfrm>
+          <a:off x="0" y="0"/>
+          <a:ext cx="0" cy="0"/>
+          <a:chOff x="0" y="0"/>
+          <a:chExt cx="0" cy="0"/>
+        </a:xfrm>
+      </p:grpSpPr>
+      <p:sp>
+        <p:nvSpPr>
+          <p:cNvPr id="2" name="Title 1"/>
+          <p:cNvSpPr>
+            <a:spLocks noGrp="1"/>
+          </p:cNvSpPr>
+          <p:nvPr>
+            <p:ph type="title"/>
+          </p:nvPr>
+        </p:nvSpPr>
+        <p:spPr/>
+        <p:txBody>
+          <a:bodyPr/>
+          <a:lstStyle/>
+          <a:p>
+            <a:r>
+              <a:rPr lang="en-US" dirty="0"/>
+              <a:t>Specificity in CSS</a:t>
+            </a:r>
+          </a:p>
+        </p:txBody>
+      </p:sp>
+      <p:sp>
+        <p:nvSpPr>
+          <p:cNvPr id="3" name="Content Placeholder 2"/>
+          <p:cNvSpPr>
+            <a:spLocks noGrp="1"/>
+          </p:cNvSpPr>
+          <p:nvPr>
+            <p:ph idx="1"/>
+          </p:nvPr>
+        </p:nvSpPr>
+        <p:spPr/>
+        <p:txBody>
+          <a:bodyPr/>
+          <a:lstStyle/>
+          <a:p>
+            <a:r>
+              <a:rPr lang="en-US" sz="2400" dirty="0"/>
+              <a:t>When we have more than one CSS style rule for an element, the browser selects one style rule for that element based upon a specificity as a score/rank/priority. </a:t>
+            </a:r>
+          </a:p>
+          <a:p>
+            <a:r>
+              <a:rPr lang="en-US" sz="2400" dirty="0"/>
+              <a:t>Specificity only applies when the same element is targeted by multiple CSS declarations. </a:t>
+            </a:r>
+          </a:p>
+          <a:p>
+            <a:r>
+              <a:rPr lang="en-US" sz="2400" dirty="0"/>
+              <a:t>Specificity is the set of the rules applied to CSS selectors to determine which style is applied to an element. More specific selector will have higher Precedence.</a:t>
+            </a:r>
+          </a:p>
+        </p:txBody>
+      </p:sp>
+      <p:sp>
+        <p:nvSpPr>
+          <p:cNvPr id="4" name="Slide Number Placeholder 3"/>
+          <p:cNvSpPr>
+            <a:spLocks noGrp="1"/>
+          </p:cNvSpPr>
+          <p:nvPr>
+            <p:ph type="sldNum" sz="quarter" idx="12"/>
+          </p:nvPr>
+        </p:nvSpPr>
+        <p:spPr/>
+        <p:txBody>
+          <a:bodyPr/>
+          <a:lstStyle/>
+          <a:p>
+            <a:fld id="{9BD555C0-86BF-4C84-AA21-7A3F0168108C}" type="slidenum">
+              <a:rPr lang="en-US" smtClean="0"/>
+              <a:t>26</a:t>
+            </a:fld>
+            <a:endParaRPr lang="en-US"/>
+          </a:p>
+        </p:txBody>
+      </p:sp>
+    </p:spTree>
+    <p:extLst>
+      <p:ext uri="{BB962C8B-B14F-4D97-AF65-F5344CB8AC3E}">
+        <p14:creationId xmlns:p14="http://schemas.microsoft.com/office/powerpoint/2010/main" val="1008635745"/>
+      </p:ext>
+    </p:extLst>
+  </p:cSld>
+  <p:clrMapOvr>
+    <a:masterClrMapping/>
+  </p:clrMapOvr>
+</p:sld>
+</file>
+
+<file path=ppt/slides/slide27.xml><?xml version="1.0" encoding="utf-8"?>
+<p:sld xmlns:a="http://schemas.openxmlformats.org/drawingml/2006/main" xmlns:r="http://schemas.openxmlformats.org/officeDocument/2006/relationships" xmlns:p="http://schemas.openxmlformats.org/presentationml/2006/main">
+  <p:cSld>
+    <p:spTree>
+      <p:nvGrpSpPr>
+        <p:cNvPr id="1" name=""/>
+        <p:cNvGrpSpPr/>
+        <p:nvPr/>
+      </p:nvGrpSpPr>
+      <p:grpSpPr>
+        <a:xfrm>
+          <a:off x="0" y="0"/>
+          <a:ext cx="0" cy="0"/>
+          <a:chOff x="0" y="0"/>
+          <a:chExt cx="0" cy="0"/>
+        </a:xfrm>
+      </p:grpSpPr>
+      <p:sp>
+        <p:nvSpPr>
+          <p:cNvPr id="2" name="Title 1"/>
+          <p:cNvSpPr>
+            <a:spLocks noGrp="1"/>
+          </p:cNvSpPr>
+          <p:nvPr>
+            <p:ph type="title"/>
+          </p:nvPr>
+        </p:nvSpPr>
+        <p:spPr/>
+        <p:txBody>
+          <a:bodyPr/>
+          <a:lstStyle/>
+          <a:p>
+            <a:r>
+              <a:rPr lang="en-US" dirty="0"/>
+              <a:t>Specificity in CSS</a:t>
+            </a:r>
+          </a:p>
+        </p:txBody>
+      </p:sp>
+      <p:sp>
+        <p:nvSpPr>
+          <p:cNvPr id="3" name="Content Placeholder 2"/>
+          <p:cNvSpPr>
+            <a:spLocks noGrp="1"/>
+          </p:cNvSpPr>
+          <p:nvPr>
+            <p:ph idx="1"/>
+          </p:nvPr>
+        </p:nvSpPr>
+        <p:spPr>
+          <a:xfrm>
+            <a:off x="228600" y="1719263"/>
+            <a:ext cx="8686800" cy="4411662"/>
+          </a:xfrm>
+        </p:spPr>
+        <p:txBody>
+          <a:bodyPr/>
+          <a:lstStyle/>
+          <a:p>
+            <a:r>
+              <a:rPr lang="en-US" sz="2400" dirty="0"/>
+              <a:t>The specificity level of a selector has 4 categories listed below:</a:t>
+            </a:r>
+          </a:p>
+          <a:p>
+            <a:pPr lvl="1"/>
+            <a:r>
+              <a:rPr lang="en-US" sz="2200" dirty="0"/>
+              <a:t>Inline CSS - Example: &lt;h1 style="color: #</a:t>
+            </a:r>
+            <a:r>
+              <a:rPr lang="en-US" sz="2200" dirty="0" err="1"/>
+              <a:t>ffffff</a:t>
+            </a:r>
+            <a:r>
+              <a:rPr lang="en-US" sz="2200" dirty="0"/>
+              <a:t>;"&gt; </a:t>
+            </a:r>
+          </a:p>
+          <a:p>
+            <a:pPr lvl="1"/>
+            <a:r>
+              <a:rPr lang="en-US" sz="2200" dirty="0"/>
+              <a:t>ID Selector</a:t>
+            </a:r>
+          </a:p>
+          <a:p>
+            <a:pPr lvl="1"/>
+            <a:r>
+              <a:rPr lang="en-US" sz="2200" dirty="0"/>
+              <a:t>Class Attribute and Pseudo-Classes Selectors.</a:t>
+            </a:r>
+          </a:p>
+          <a:p>
+            <a:pPr lvl="1"/>
+            <a:r>
+              <a:rPr lang="en-US" sz="2200" dirty="0"/>
+              <a:t>Element and Pseudo-Elements Selector.</a:t>
+            </a:r>
+          </a:p>
+          <a:p>
+            <a:r>
+              <a:rPr lang="en-US" sz="2400" dirty="0"/>
+              <a:t>Inline CSS have higher priority and Element and Pseudo-Elements Selector have lowest priority. </a:t>
+            </a:r>
+          </a:p>
+          <a:p>
+            <a:r>
+              <a:rPr lang="en-US" sz="2400" dirty="0"/>
+              <a:t>When we have 2 CSS Style rule which has same priority, then the lower priority will be selected by the browser.</a:t>
+            </a:r>
+          </a:p>
+          <a:p>
+            <a:endParaRPr lang="en-US" sz="2400" dirty="0"/>
+          </a:p>
+        </p:txBody>
+      </p:sp>
+      <p:sp>
+        <p:nvSpPr>
+          <p:cNvPr id="4" name="Slide Number Placeholder 3"/>
+          <p:cNvSpPr>
+            <a:spLocks noGrp="1"/>
+          </p:cNvSpPr>
+          <p:nvPr>
+            <p:ph type="sldNum" sz="quarter" idx="12"/>
+          </p:nvPr>
+        </p:nvSpPr>
+        <p:spPr/>
+        <p:txBody>
+          <a:bodyPr/>
+          <a:lstStyle/>
+          <a:p>
+            <a:fld id="{9BD555C0-86BF-4C84-AA21-7A3F0168108C}" type="slidenum">
+              <a:rPr lang="en-US" smtClean="0"/>
+              <a:t>27</a:t>
+            </a:fld>
+            <a:endParaRPr lang="en-US"/>
+          </a:p>
+        </p:txBody>
+      </p:sp>
+    </p:spTree>
+    <p:extLst>
+      <p:ext uri="{BB962C8B-B14F-4D97-AF65-F5344CB8AC3E}">
+        <p14:creationId xmlns:p14="http://schemas.microsoft.com/office/powerpoint/2010/main" val="1834175290"/>
+      </p:ext>
+    </p:extLst>
+  </p:cSld>
+  <p:clrMapOvr>
+    <a:masterClrMapping/>
+  </p:clrMapOvr>
+</p:sld>
+</file>
+
 <file path=ppt/slides/slide3.xml><?xml version="1.0" encoding="utf-8"?>
 <p:sld xmlns:a="http://schemas.openxmlformats.org/drawingml/2006/main" xmlns:r="http://schemas.openxmlformats.org/officeDocument/2006/relationships" xmlns:p="http://schemas.openxmlformats.org/presentationml/2006/main">
   <p:cSld>
@@ -12547,44 +13797,20 @@
           </a:p>
           <a:p>
             <a:r>
-              <a:rPr lang="en-US" sz="2200" b="1" dirty="0">
-                <a:highlight>
-                  <a:srgbClr val="FFFF00"/>
-                </a:highlight>
-              </a:rPr>
-              <a:t>[attribute] Selector </a:t>
-            </a:r>
-            <a:r>
               <a:rPr lang="en-US" sz="2200" dirty="0"/>
-              <a:t>- applies the style rule for all the element which has a specified attribute.</a:t>
-            </a:r>
-          </a:p>
-          <a:p>
-            <a:r>
-              <a:rPr lang="en-US" sz="2200" b="1" dirty="0">
-                <a:highlight>
-                  <a:srgbClr val="FFFF00"/>
-                </a:highlight>
-              </a:rPr>
-              <a:t>[attribute="value"] Selector </a:t>
-            </a:r>
+              <a:t>[attribute] Selector - applies the style rule for all the element which has a specified attribute.</a:t>
+            </a:r>
+          </a:p>
+          <a:p>
             <a:r>
               <a:rPr lang="en-US" sz="2200" dirty="0"/>
-              <a:t>- uses the = operator to select the element whose attribute value is exactly equal to the given value.</a:t>
-            </a:r>
-          </a:p>
-          <a:p>
-            <a:r>
-              <a:rPr lang="en-US" sz="2200" b="1" dirty="0">
-                <a:highlight>
-                  <a:srgbClr val="FFFF00"/>
-                </a:highlight>
-              </a:rPr>
-              <a:t>[attribute~="value"] Selector </a:t>
-            </a:r>
+              <a:t>[attribute="value"] Selector - uses the = operator to select the element whose attribute value is exactly equal to the given value.</a:t>
+            </a:r>
+          </a:p>
+          <a:p>
             <a:r>
               <a:rPr lang="en-US" sz="2200" dirty="0"/>
-              <a:t>- uses the ~= operator to select elements that have the specified attribute with a value containing a given word, delimited by spaces.</a:t>
+              <a:t>[attribute~="value"] Selector - uses the ~= operator to select elements that have the specified attribute with a value containing a given word, delimited by spaces.</a:t>
             </a:r>
           </a:p>
           <a:p>
@@ -12683,58 +13909,26 @@
           <a:lstStyle/>
           <a:p>
             <a:r>
-              <a:rPr lang="en-US" sz="2200" b="1" dirty="0">
-                <a:highlight>
-                  <a:srgbClr val="FFFF00"/>
-                </a:highlight>
-              </a:rPr>
-              <a:t>[attribute|="value"] Selector </a:t>
-            </a:r>
-            <a:r>
               <a:rPr lang="en-US" sz="2200" dirty="0"/>
-              <a:t>- uses the |= operator to select elements that have the specified attribute with a value either equal to a given string or starting with that string followed by a hyphen (-).</a:t>
-            </a:r>
-          </a:p>
-          <a:p>
-            <a:r>
-              <a:rPr lang="en-US" sz="2200" b="1" dirty="0">
-                <a:highlight>
-                  <a:srgbClr val="FFFF00"/>
-                </a:highlight>
-              </a:rPr>
-              <a:t>[attribute^="value"] Selector </a:t>
-            </a:r>
+              <a:t>[attribute|="value"] Selector - uses the |= operator to select elements that have the specified attribute with a value either equal to a given string or starting with that string followed by a hyphen (-).</a:t>
+            </a:r>
+          </a:p>
+          <a:p>
             <a:r>
               <a:rPr lang="en-US" sz="2200" dirty="0"/>
-              <a:t>- uses the ^= operator to select elements that have the specified attribute with a value beginning exactly with a given string.</a:t>
-            </a:r>
-          </a:p>
-          <a:p>
-            <a:r>
-              <a:rPr lang="en-US" sz="2200" b="1" dirty="0">
-                <a:highlight>
-                  <a:srgbClr val="FFFF00"/>
-                </a:highlight>
-              </a:rPr>
-              <a:t>[attribute$="value"] Selector </a:t>
-            </a:r>
+              <a:t>[attribute^="value"] Selector - uses the ^= operator to select elements that have the specified attribute with a value beginning exactly with a given string.</a:t>
+            </a:r>
+          </a:p>
+          <a:p>
             <a:r>
               <a:rPr lang="en-US" sz="2200" dirty="0"/>
-              <a:t>uses the $= operator to select elements that have the specified attribute with a value ending exactly with a given string. The comparison is case sensitive.</a:t>
-            </a:r>
-          </a:p>
-          <a:p>
-            <a:r>
-              <a:rPr lang="en-US" sz="2200" b="1" dirty="0">
-                <a:highlight>
-                  <a:srgbClr val="FFFF00"/>
-                </a:highlight>
-              </a:rPr>
-              <a:t>[attribute*="value"] Selector </a:t>
-            </a:r>
+              <a:t>[attribute$="value"] Selector uses the $= operator to select elements that have the specified attribute with a value ending exactly with a given string. The comparison is case sensitive.</a:t>
+            </a:r>
+          </a:p>
+          <a:p>
             <a:r>
               <a:rPr lang="en-US" sz="2200" dirty="0"/>
-              <a:t>- uses the *= operator to select elements that have the specified attribute with a value containing a given substring.</a:t>
+              <a:t>[attribute*="value"] Selector - uses the *= operator to select elements that have the specified attribute with a value containing a given substring.</a:t>
             </a:r>
           </a:p>
           <a:p>
